--- a/Diari di bordo/Diario di bordo 07-11-2022.pptx
+++ b/Diari di bordo/Diario di bordo 07-11-2022.pptx
@@ -130,12 +130,12 @@
   <pc:docChgLst>
     <pc:chgData name="Gabriel Rovesti" userId="d647de4fd5d777e4" providerId="LiveId" clId="{22806439-89FE-4CA1-8278-85731E10D88F}"/>
     <pc:docChg chg="undo redo custSel addSld modSld">
-      <pc:chgData name="Gabriel Rovesti" userId="d647de4fd5d777e4" providerId="LiveId" clId="{22806439-89FE-4CA1-8278-85731E10D88F}" dt="2022-11-05T17:23:19.938" v="1352" actId="1076"/>
+      <pc:chgData name="Gabriel Rovesti" userId="d647de4fd5d777e4" providerId="LiveId" clId="{22806439-89FE-4CA1-8278-85731E10D88F}" dt="2022-11-07T08:02:20.995" v="1406" actId="20577"/>
       <pc:docMkLst>
         <pc:docMk/>
       </pc:docMkLst>
       <pc:sldChg chg="addSp delSp modSp mod">
-        <pc:chgData name="Gabriel Rovesti" userId="d647de4fd5d777e4" providerId="LiveId" clId="{22806439-89FE-4CA1-8278-85731E10D88F}" dt="2022-11-05T17:21:11.642" v="1335" actId="21"/>
+        <pc:chgData name="Gabriel Rovesti" userId="d647de4fd5d777e4" providerId="LiveId" clId="{22806439-89FE-4CA1-8278-85731E10D88F}" dt="2022-11-07T07:53:23.026" v="1401" actId="6549"/>
         <pc:sldMkLst>
           <pc:docMk/>
           <pc:sldMk cId="726716261" sldId="256"/>
@@ -157,7 +157,7 @@
           </ac:spMkLst>
         </pc:spChg>
         <pc:spChg chg="add mod">
-          <ac:chgData name="Gabriel Rovesti" userId="d647de4fd5d777e4" providerId="LiveId" clId="{22806439-89FE-4CA1-8278-85731E10D88F}" dt="2022-11-05T16:52:29.307" v="1160" actId="1076"/>
+          <ac:chgData name="Gabriel Rovesti" userId="d647de4fd5d777e4" providerId="LiveId" clId="{22806439-89FE-4CA1-8278-85731E10D88F}" dt="2022-11-07T07:53:23.026" v="1401" actId="6549"/>
           <ac:spMkLst>
             <pc:docMk/>
             <pc:sldMk cId="726716261" sldId="256"/>
@@ -182,7 +182,7 @@
         </pc:picChg>
       </pc:sldChg>
       <pc:sldChg chg="addSp delSp modSp mod modNotesTx">
-        <pc:chgData name="Gabriel Rovesti" userId="d647de4fd5d777e4" providerId="LiveId" clId="{22806439-89FE-4CA1-8278-85731E10D88F}" dt="2022-11-05T17:23:19.938" v="1352" actId="1076"/>
+        <pc:chgData name="Gabriel Rovesti" userId="d647de4fd5d777e4" providerId="LiveId" clId="{22806439-89FE-4CA1-8278-85731E10D88F}" dt="2022-11-07T08:02:20.995" v="1406" actId="20577"/>
         <pc:sldMkLst>
           <pc:docMk/>
           <pc:sldMk cId="992776036" sldId="257"/>
@@ -196,7 +196,7 @@
           </ac:spMkLst>
         </pc:spChg>
         <pc:spChg chg="mod">
-          <ac:chgData name="Gabriel Rovesti" userId="d647de4fd5d777e4" providerId="LiveId" clId="{22806439-89FE-4CA1-8278-85731E10D88F}" dt="2022-11-05T16:52:51.405" v="1161" actId="21"/>
+          <ac:chgData name="Gabriel Rovesti" userId="d647de4fd5d777e4" providerId="LiveId" clId="{22806439-89FE-4CA1-8278-85731E10D88F}" dt="2022-11-07T08:02:20.995" v="1406" actId="20577"/>
           <ac:spMkLst>
             <pc:docMk/>
             <pc:sldMk cId="992776036" sldId="257"/>
@@ -228,7 +228,7 @@
           </ac:picMkLst>
         </pc:picChg>
         <pc:picChg chg="add mod">
-          <ac:chgData name="Gabriel Rovesti" userId="d647de4fd5d777e4" providerId="LiveId" clId="{22806439-89FE-4CA1-8278-85731E10D88F}" dt="2022-11-05T17:18:27.103" v="1314" actId="14100"/>
+          <ac:chgData name="Gabriel Rovesti" userId="d647de4fd5d777e4" providerId="LiveId" clId="{22806439-89FE-4CA1-8278-85731E10D88F}" dt="2022-11-07T07:23:47.183" v="1392" actId="1076"/>
           <ac:picMkLst>
             <pc:docMk/>
             <pc:sldMk cId="992776036" sldId="257"/>
@@ -236,7 +236,7 @@
           </ac:picMkLst>
         </pc:picChg>
         <pc:picChg chg="add mod">
-          <ac:chgData name="Gabriel Rovesti" userId="d647de4fd5d777e4" providerId="LiveId" clId="{22806439-89FE-4CA1-8278-85731E10D88F}" dt="2022-11-05T17:17:42.380" v="1306" actId="1076"/>
+          <ac:chgData name="Gabriel Rovesti" userId="d647de4fd5d777e4" providerId="LiveId" clId="{22806439-89FE-4CA1-8278-85731E10D88F}" dt="2022-11-07T07:23:45.389" v="1391" actId="1076"/>
           <ac:picMkLst>
             <pc:docMk/>
             <pc:sldMk cId="992776036" sldId="257"/>
@@ -244,7 +244,7 @@
           </ac:picMkLst>
         </pc:picChg>
         <pc:picChg chg="add mod">
-          <ac:chgData name="Gabriel Rovesti" userId="d647de4fd5d777e4" providerId="LiveId" clId="{22806439-89FE-4CA1-8278-85731E10D88F}" dt="2022-11-05T17:23:19.938" v="1352" actId="1076"/>
+          <ac:chgData name="Gabriel Rovesti" userId="d647de4fd5d777e4" providerId="LiveId" clId="{22806439-89FE-4CA1-8278-85731E10D88F}" dt="2022-11-07T07:37:42.522" v="1393" actId="1076"/>
           <ac:picMkLst>
             <pc:docMk/>
             <pc:sldMk cId="992776036" sldId="257"/>
@@ -253,13 +253,13 @@
         </pc:picChg>
       </pc:sldChg>
       <pc:sldChg chg="addSp delSp modSp add mod modNotesTx">
-        <pc:chgData name="Gabriel Rovesti" userId="d647de4fd5d777e4" providerId="LiveId" clId="{22806439-89FE-4CA1-8278-85731E10D88F}" dt="2022-11-05T17:23:15.087" v="1351" actId="1076"/>
+        <pc:chgData name="Gabriel Rovesti" userId="d647de4fd5d777e4" providerId="LiveId" clId="{22806439-89FE-4CA1-8278-85731E10D88F}" dt="2022-11-07T07:23:32.196" v="1388" actId="1076"/>
         <pc:sldMkLst>
           <pc:docMk/>
           <pc:sldMk cId="3130109785" sldId="258"/>
         </pc:sldMkLst>
         <pc:spChg chg="add mod">
-          <ac:chgData name="Gabriel Rovesti" userId="d647de4fd5d777e4" providerId="LiveId" clId="{22806439-89FE-4CA1-8278-85731E10D88F}" dt="2022-11-05T17:23:13.414" v="1350" actId="1076"/>
+          <ac:chgData name="Gabriel Rovesti" userId="d647de4fd5d777e4" providerId="LiveId" clId="{22806439-89FE-4CA1-8278-85731E10D88F}" dt="2022-11-07T07:23:32.196" v="1388" actId="1076"/>
           <ac:spMkLst>
             <pc:docMk/>
             <pc:sldMk cId="3130109785" sldId="258"/>
@@ -394,7 +394,7 @@
           <a:p>
             <a:fld id="{2A91EDAE-21CD-4581-BFDA-C5B5E24D83B8}" type="datetimeFigureOut">
               <a:rPr lang="it-IT" smtClean="0"/>
-              <a:t>05/11/2022</a:t>
+              <a:t>07/11/2022</a:t>
             </a:fld>
             <a:endParaRPr lang="it-IT"/>
           </a:p>
@@ -1032,7 +1032,7 @@
           <a:p>
             <a:fld id="{E9B6A06E-F4D4-4BFB-9CBB-798DF4F28D15}" type="datetimeFigureOut">
               <a:rPr lang="en-US" smtClean="0"/>
-              <a:t>11/5/2022</a:t>
+              <a:t>11/7/2022</a:t>
             </a:fld>
             <a:endParaRPr lang="en-US"/>
           </a:p>
@@ -1230,7 +1230,7 @@
           <a:p>
             <a:fld id="{E9B6A06E-F4D4-4BFB-9CBB-798DF4F28D15}" type="datetimeFigureOut">
               <a:rPr lang="en-US" smtClean="0"/>
-              <a:t>11/5/2022</a:t>
+              <a:t>11/7/2022</a:t>
             </a:fld>
             <a:endParaRPr lang="en-US"/>
           </a:p>
@@ -1438,7 +1438,7 @@
           <a:p>
             <a:fld id="{E9B6A06E-F4D4-4BFB-9CBB-798DF4F28D15}" type="datetimeFigureOut">
               <a:rPr lang="en-US" smtClean="0"/>
-              <a:t>11/5/2022</a:t>
+              <a:t>11/7/2022</a:t>
             </a:fld>
             <a:endParaRPr lang="en-US"/>
           </a:p>
@@ -1636,7 +1636,7 @@
           <a:p>
             <a:fld id="{E9B6A06E-F4D4-4BFB-9CBB-798DF4F28D15}" type="datetimeFigureOut">
               <a:rPr lang="en-US" smtClean="0"/>
-              <a:t>11/5/2022</a:t>
+              <a:t>11/7/2022</a:t>
             </a:fld>
             <a:endParaRPr lang="en-US"/>
           </a:p>
@@ -1911,7 +1911,7 @@
           <a:p>
             <a:fld id="{E9B6A06E-F4D4-4BFB-9CBB-798DF4F28D15}" type="datetimeFigureOut">
               <a:rPr lang="en-US" smtClean="0"/>
-              <a:t>11/5/2022</a:t>
+              <a:t>11/7/2022</a:t>
             </a:fld>
             <a:endParaRPr lang="en-US"/>
           </a:p>
@@ -2176,7 +2176,7 @@
           <a:p>
             <a:fld id="{E9B6A06E-F4D4-4BFB-9CBB-798DF4F28D15}" type="datetimeFigureOut">
               <a:rPr lang="en-US" smtClean="0"/>
-              <a:t>11/5/2022</a:t>
+              <a:t>11/7/2022</a:t>
             </a:fld>
             <a:endParaRPr lang="en-US"/>
           </a:p>
@@ -2588,7 +2588,7 @@
           <a:p>
             <a:fld id="{E9B6A06E-F4D4-4BFB-9CBB-798DF4F28D15}" type="datetimeFigureOut">
               <a:rPr lang="en-US" smtClean="0"/>
-              <a:t>11/5/2022</a:t>
+              <a:t>11/7/2022</a:t>
             </a:fld>
             <a:endParaRPr lang="en-US"/>
           </a:p>
@@ -2729,7 +2729,7 @@
           <a:p>
             <a:fld id="{E9B6A06E-F4D4-4BFB-9CBB-798DF4F28D15}" type="datetimeFigureOut">
               <a:rPr lang="en-US" smtClean="0"/>
-              <a:t>11/5/2022</a:t>
+              <a:t>11/7/2022</a:t>
             </a:fld>
             <a:endParaRPr lang="en-US"/>
           </a:p>
@@ -2842,7 +2842,7 @@
           <a:p>
             <a:fld id="{E9B6A06E-F4D4-4BFB-9CBB-798DF4F28D15}" type="datetimeFigureOut">
               <a:rPr lang="en-US" smtClean="0"/>
-              <a:t>11/5/2022</a:t>
+              <a:t>11/7/2022</a:t>
             </a:fld>
             <a:endParaRPr lang="en-US"/>
           </a:p>
@@ -3153,7 +3153,7 @@
           <a:p>
             <a:fld id="{E9B6A06E-F4D4-4BFB-9CBB-798DF4F28D15}" type="datetimeFigureOut">
               <a:rPr lang="en-US" smtClean="0"/>
-              <a:t>11/5/2022</a:t>
+              <a:t>11/7/2022</a:t>
             </a:fld>
             <a:endParaRPr lang="en-US"/>
           </a:p>
@@ -3441,7 +3441,7 @@
           <a:p>
             <a:fld id="{E9B6A06E-F4D4-4BFB-9CBB-798DF4F28D15}" type="datetimeFigureOut">
               <a:rPr lang="en-US" smtClean="0"/>
-              <a:t>11/5/2022</a:t>
+              <a:t>11/7/2022</a:t>
             </a:fld>
             <a:endParaRPr lang="en-US"/>
           </a:p>
@@ -3682,7 +3682,7 @@
           <a:p>
             <a:fld id="{E9B6A06E-F4D4-4BFB-9CBB-798DF4F28D15}" type="datetimeFigureOut">
               <a:rPr lang="en-US" smtClean="0"/>
-              <a:t>11/5/2022</a:t>
+              <a:t>11/7/2022</a:t>
             </a:fld>
             <a:endParaRPr lang="en-US"/>
           </a:p>
@@ -4688,7 +4688,7 @@
               <a:rPr lang="en-US" sz="1600" dirty="0">
                 <a:hlinkClick r:id="rId3"/>
               </a:rPr>
-              <a:t>https://github.com/SWEG-Software-Engineering-Group)</a:t>
+              <a:t>https://github.com/SWEG-Software-Engineering-Group</a:t>
             </a:r>
             <a:endParaRPr lang="en-US" sz="2000" dirty="0">
               <a:solidFill>
@@ -5055,8 +5055,8 @@
         </p:nvSpPr>
         <p:spPr>
           <a:xfrm>
-            <a:off x="838200" y="1533372"/>
-            <a:ext cx="5975555" cy="5509200"/>
+            <a:off x="599815" y="1610743"/>
+            <a:ext cx="5590099" cy="4832092"/>
           </a:xfrm>
           <a:prstGeom prst="rect">
             <a:avLst/>
@@ -5099,12 +5099,20 @@
               <a:buChar char="•"/>
             </a:pPr>
             <a:r>
+              <a:rPr lang="en-US" sz="2200">
+                <a:solidFill>
+                  <a:srgbClr val="D6D3D2"/>
+                </a:solidFill>
+              </a:rPr>
+              <a:t>Scrum </a:t>
+            </a:r>
+            <a:r>
               <a:rPr lang="en-US" sz="2200" dirty="0">
                 <a:solidFill>
                   <a:srgbClr val="D6D3D2"/>
                 </a:solidFill>
               </a:rPr>
-              <a:t>SCRUM e Milestone</a:t>
+              <a:t>e Milestone</a:t>
             </a:r>
           </a:p>
           <a:p>
@@ -5150,7 +5158,7 @@
                   <a:srgbClr val="D6D3D2"/>
                 </a:solidFill>
               </a:rPr>
-              <a:t>Primi contatti con l’azienda</a:t>
+              <a:t>Primi contatti con l’azienda Zero12</a:t>
             </a:r>
           </a:p>
           <a:p>
@@ -5229,32 +5237,6 @@
             </a:r>
           </a:p>
           <a:p>
-            <a:pPr marL="342900" indent="-342900">
-              <a:buFont typeface="Arial" panose="020B0604020202020204" pitchFamily="34" charset="0"/>
-              <a:buChar char="•"/>
-            </a:pPr>
-            <a:endParaRPr lang="en-US" sz="2200" dirty="0">
-              <a:solidFill>
-                <a:srgbClr val="D6D3D2"/>
-              </a:solidFill>
-            </a:endParaRPr>
-          </a:p>
-          <a:p>
-            <a:pPr marL="342900" indent="-342900">
-              <a:buFont typeface="Arial" panose="020B0604020202020204" pitchFamily="34" charset="0"/>
-              <a:buChar char="•"/>
-            </a:pPr>
-            <a:endParaRPr lang="en-US" sz="2200" dirty="0">
-              <a:solidFill>
-                <a:srgbClr val="D6D3D2"/>
-              </a:solidFill>
-            </a:endParaRPr>
-          </a:p>
-          <a:p>
-            <a:pPr marL="342900" indent="-342900">
-              <a:buFont typeface="Arial" panose="020B0604020202020204" pitchFamily="34" charset="0"/>
-              <a:buChar char="•"/>
-            </a:pPr>
             <a:endParaRPr lang="en-US" sz="2200" dirty="0">
               <a:solidFill>
                 <a:srgbClr val="D6D3D2"/>
@@ -5363,7 +5345,7 @@
         </p:blipFill>
         <p:spPr>
           <a:xfrm>
-            <a:off x="8000415" y="2495090"/>
+            <a:off x="8242334" y="2634410"/>
             <a:ext cx="1367268" cy="1394295"/>
           </a:xfrm>
           <a:prstGeom prst="rect">
@@ -5399,7 +5381,7 @@
         </p:blipFill>
         <p:spPr>
           <a:xfrm>
-            <a:off x="6813755" y="4244133"/>
+            <a:off x="6855318" y="4401563"/>
             <a:ext cx="1261583" cy="1079439"/>
           </a:xfrm>
           <a:prstGeom prst="rect">
@@ -5435,7 +5417,7 @@
         </p:blipFill>
         <p:spPr>
           <a:xfrm>
-            <a:off x="9992448" y="4365343"/>
+            <a:off x="10034011" y="4462167"/>
             <a:ext cx="958229" cy="958229"/>
           </a:xfrm>
           <a:prstGeom prst="rect">
@@ -5580,8 +5562,8 @@
         </p:nvSpPr>
         <p:spPr>
           <a:xfrm>
-            <a:off x="657225" y="1865167"/>
-            <a:ext cx="7256319" cy="5847755"/>
+            <a:off x="657225" y="1887488"/>
+            <a:ext cx="7057448" cy="3477875"/>
           </a:xfrm>
           <a:prstGeom prst="rect">
             <a:avLst/>
@@ -5737,79 +5719,6 @@
               </a:rPr>
               <a:t> Analisi dei requisiti</a:t>
             </a:r>
-          </a:p>
-          <a:p>
-            <a:pPr marL="342900" indent="-342900">
-              <a:buFont typeface="Arial" panose="020B0604020202020204" pitchFamily="34" charset="0"/>
-              <a:buChar char="•"/>
-            </a:pPr>
-            <a:endParaRPr lang="en-US" sz="2200" dirty="0">
-              <a:solidFill>
-                <a:srgbClr val="D6D3D2"/>
-              </a:solidFill>
-            </a:endParaRPr>
-          </a:p>
-          <a:p>
-            <a:pPr marL="342900" indent="-342900">
-              <a:buFont typeface="Arial" panose="020B0604020202020204" pitchFamily="34" charset="0"/>
-              <a:buChar char="•"/>
-            </a:pPr>
-            <a:endParaRPr lang="en-US" sz="2200" dirty="0">
-              <a:solidFill>
-                <a:srgbClr val="D6D3D2"/>
-              </a:solidFill>
-            </a:endParaRPr>
-          </a:p>
-          <a:p>
-            <a:pPr marL="342900" indent="-342900">
-              <a:buFont typeface="Arial" panose="020B0604020202020204" pitchFamily="34" charset="0"/>
-              <a:buChar char="•"/>
-            </a:pPr>
-            <a:endParaRPr lang="en-US" sz="2200" dirty="0">
-              <a:solidFill>
-                <a:srgbClr val="D6D3D2"/>
-              </a:solidFill>
-            </a:endParaRPr>
-          </a:p>
-          <a:p>
-            <a:pPr marL="342900" indent="-342900">
-              <a:buFont typeface="Arial" panose="020B0604020202020204" pitchFamily="34" charset="0"/>
-              <a:buChar char="•"/>
-            </a:pPr>
-            <a:endParaRPr lang="en-US" sz="2200" dirty="0">
-              <a:solidFill>
-                <a:srgbClr val="D6D3D2"/>
-              </a:solidFill>
-            </a:endParaRPr>
-          </a:p>
-          <a:p>
-            <a:pPr marL="342900" indent="-342900">
-              <a:buFont typeface="Arial" panose="020B0604020202020204" pitchFamily="34" charset="0"/>
-              <a:buChar char="•"/>
-            </a:pPr>
-            <a:endParaRPr lang="en-US" sz="2200" dirty="0">
-              <a:solidFill>
-                <a:srgbClr val="D6D3D2"/>
-              </a:solidFill>
-            </a:endParaRPr>
-          </a:p>
-          <a:p>
-            <a:pPr marL="342900" indent="-342900">
-              <a:buFont typeface="Arial" panose="020B0604020202020204" pitchFamily="34" charset="0"/>
-              <a:buChar char="•"/>
-            </a:pPr>
-            <a:endParaRPr lang="en-US" sz="2200" dirty="0">
-              <a:solidFill>
-                <a:srgbClr val="D6D3D2"/>
-              </a:solidFill>
-            </a:endParaRPr>
-          </a:p>
-          <a:p>
-            <a:endParaRPr lang="en-US" sz="2200" dirty="0">
-              <a:solidFill>
-                <a:srgbClr val="D6D3D2"/>
-              </a:solidFill>
-            </a:endParaRPr>
           </a:p>
           <a:p>
             <a:endParaRPr lang="en-US" sz="2200" dirty="0">
